--- a/documents/v2.0/Presentation_partie_Lazhar.pptx
+++ b/documents/v2.0/Presentation_partie_Lazhar.pptx
@@ -14170,11 +14170,7 @@
             </a:pPr>
             <a:r>
               <a:rPr lang="fr-CH" sz="2800" u="none" dirty="0" smtClean="0"/>
-              <a:t>  </a:t>
-            </a:r>
-            <a:r>
-              <a:rPr lang="fr-CH" sz="2800" u="none" dirty="0" smtClean="0"/>
-              <a:t>Transparent</a:t>
+              <a:t>  Transparent</a:t>
             </a:r>
           </a:p>
           <a:p>
@@ -14187,11 +14183,7 @@
             </a:pPr>
             <a:r>
               <a:rPr lang="fr-CH" sz="2800" u="none" dirty="0" smtClean="0"/>
-              <a:t> </a:t>
-            </a:r>
-            <a:r>
-              <a:rPr lang="fr-CH" sz="2800" u="none" dirty="0" smtClean="0"/>
-              <a:t> Simple</a:t>
+              <a:t>  Simple</a:t>
             </a:r>
           </a:p>
           <a:p>
@@ -14204,11 +14196,7 @@
             </a:pPr>
             <a:r>
               <a:rPr lang="fr-CH" sz="2800" u="none" dirty="0" smtClean="0"/>
-              <a:t> </a:t>
-            </a:r>
-            <a:r>
-              <a:rPr lang="fr-CH" sz="2800" u="none" dirty="0" smtClean="0"/>
-              <a:t> Interactif</a:t>
+              <a:t>  Interactif</a:t>
             </a:r>
           </a:p>
           <a:p>
@@ -14221,11 +14209,7 @@
             </a:pPr>
             <a:r>
               <a:rPr lang="fr-CH" sz="2800" u="none" dirty="0" smtClean="0"/>
-              <a:t> </a:t>
-            </a:r>
-            <a:r>
-              <a:rPr lang="fr-CH" sz="2800" u="none" dirty="0" smtClean="0"/>
-              <a:t> Portable</a:t>
+              <a:t>  Portable</a:t>
             </a:r>
           </a:p>
           <a:p>
@@ -14238,11 +14222,7 @@
             </a:pPr>
             <a:r>
               <a:rPr lang="fr-CH" sz="2800" u="none" dirty="0" smtClean="0"/>
-              <a:t> </a:t>
-            </a:r>
-            <a:r>
-              <a:rPr lang="fr-CH" sz="2800" u="none" dirty="0" smtClean="0"/>
-              <a:t> Léger</a:t>
+              <a:t>  Léger</a:t>
             </a:r>
           </a:p>
           <a:p>
@@ -14255,11 +14235,7 @@
             </a:pPr>
             <a:r>
               <a:rPr lang="fr-CH" sz="2800" u="none" dirty="0" smtClean="0"/>
-              <a:t> </a:t>
-            </a:r>
-            <a:r>
-              <a:rPr lang="fr-CH" sz="2800" u="none" dirty="0" smtClean="0"/>
-              <a:t> Evolutif</a:t>
+              <a:t>  Evolutif</a:t>
             </a:r>
           </a:p>
           <a:p>
@@ -14272,11 +14248,7 @@
             </a:pPr>
             <a:r>
               <a:rPr lang="fr-CH" sz="2800" u="none" dirty="0" smtClean="0"/>
-              <a:t> </a:t>
-            </a:r>
-            <a:r>
-              <a:rPr lang="fr-CH" sz="2800" u="none" dirty="0" smtClean="0"/>
-              <a:t> Mobile</a:t>
+              <a:t>  Mobile</a:t>
             </a:r>
           </a:p>
           <a:p>
@@ -14289,11 +14261,7 @@
             </a:pPr>
             <a:r>
               <a:rPr lang="fr-CH" sz="2800" u="none" dirty="0" smtClean="0"/>
-              <a:t> </a:t>
-            </a:r>
-            <a:r>
-              <a:rPr lang="fr-CH" sz="2800" u="none" dirty="0" smtClean="0"/>
-              <a:t> Décentralisé</a:t>
+              <a:t>  Décentralisé</a:t>
             </a:r>
           </a:p>
           <a:p>
@@ -14306,11 +14274,7 @@
             </a:pPr>
             <a:r>
               <a:rPr lang="fr-CH" sz="2800" u="none" dirty="0" smtClean="0"/>
-              <a:t> </a:t>
-            </a:r>
-            <a:r>
-              <a:rPr lang="fr-CH" sz="2800" u="none" dirty="0" smtClean="0"/>
-              <a:t> Visible</a:t>
+              <a:t>  Visible</a:t>
             </a:r>
           </a:p>
           <a:p>
@@ -14323,16 +14287,37 @@
             </a:pPr>
             <a:r>
               <a:rPr lang="fr-CH" sz="2800" u="none" dirty="0" smtClean="0"/>
-              <a:t> </a:t>
-            </a:r>
-            <a:r>
-              <a:rPr lang="fr-CH" sz="2800" u="none" dirty="0" smtClean="0"/>
-              <a:t> Commun</a:t>
-            </a:r>
-            <a:endParaRPr lang="fr-CH" sz="2800" u="none" dirty="0" smtClean="0"/>
-          </a:p>
-        </p:txBody>
-      </p:sp>
+              <a:t>  Commun</a:t>
+            </a:r>
+          </a:p>
+        </p:txBody>
+      </p:sp>
+      <p:pic>
+        <p:nvPicPr>
+          <p:cNvPr id="32" name="Image 61" descr="araignee.png"/>
+          <p:cNvPicPr>
+            <a:picLocks noChangeAspect="1" noChangeArrowheads="1"/>
+          </p:cNvPicPr>
+          <p:nvPr/>
+        </p:nvPicPr>
+        <p:blipFill>
+          <a:blip r:embed="rId4" cstate="print"/>
+          <a:srcRect/>
+          <a:stretch>
+            <a:fillRect/>
+          </a:stretch>
+        </p:blipFill>
+        <p:spPr bwMode="auto">
+          <a:xfrm>
+            <a:off x="4497755" y="2056374"/>
+            <a:ext cx="110249" cy="110249"/>
+          </a:xfrm>
+          <a:prstGeom prst="rect">
+            <a:avLst/>
+          </a:prstGeom>
+          <a:noFill/>
+        </p:spPr>
+      </p:pic>
     </p:spTree>
   </p:cSld>
   <p:clrMapOvr>

--- a/documents/v2.0/Presentation_partie_Lazhar.pptx
+++ b/documents/v2.0/Presentation_partie_Lazhar.pptx
@@ -234,7 +234,7 @@
             <a:fld id="{D761A794-15E8-4C19-9429-90557F78B1C8}" type="datetimeFigureOut">
               <a:rPr lang="fr-FR" smtClean="0"/>
               <a:pPr/>
-              <a:t>10/06/2010</a:t>
+              <a:t>11/06/2010</a:t>
             </a:fld>
             <a:endParaRPr lang="fr-CH" dirty="0"/>
           </a:p>
@@ -796,7 +796,7 @@
             <a:fld id="{1FD82F67-3604-455A-AA94-463E3F4A9835}" type="datetime1">
               <a:rPr lang="fr-CH" smtClean="0"/>
               <a:pPr/>
-              <a:t>10.06.2010</a:t>
+              <a:t>11.06.2010</a:t>
             </a:fld>
             <a:endParaRPr lang="fr-FR" dirty="0"/>
           </a:p>
@@ -982,7 +982,7 @@
             <a:fld id="{55B3CD59-5DD5-41C3-B883-761C206A7252}" type="datetime1">
               <a:rPr lang="fr-CH" smtClean="0"/>
               <a:pPr/>
-              <a:t>10.06.2010</a:t>
+              <a:t>11.06.2010</a:t>
             </a:fld>
             <a:endParaRPr lang="fr-FR" dirty="0"/>
           </a:p>
@@ -1178,7 +1178,7 @@
             <a:fld id="{3B04A12F-0005-45B2-8940-F8EFEAD0E451}" type="datetime1">
               <a:rPr lang="fr-CH" smtClean="0"/>
               <a:pPr/>
-              <a:t>10.06.2010</a:t>
+              <a:t>11.06.2010</a:t>
             </a:fld>
             <a:endParaRPr lang="fr-FR" dirty="0"/>
           </a:p>
@@ -1493,7 +1493,7 @@
             <a:fld id="{529FBE9A-CF7D-433F-8346-C0E52BDADA61}" type="datetime1">
               <a:rPr lang="fr-CH" smtClean="0"/>
               <a:pPr/>
-              <a:t>10.06.2010</a:t>
+              <a:t>11.06.2010</a:t>
             </a:fld>
             <a:endParaRPr lang="fr-FR" dirty="0"/>
           </a:p>
@@ -1676,7 +1676,7 @@
             <a:fld id="{FE683641-4180-4030-9871-18F1FE65C087}" type="datetime1">
               <a:rPr lang="fr-CH" smtClean="0"/>
               <a:pPr/>
-              <a:t>10.06.2010</a:t>
+              <a:t>11.06.2010</a:t>
             </a:fld>
             <a:endParaRPr lang="fr-FR" dirty="0"/>
           </a:p>
@@ -1872,7 +1872,7 @@
             <a:fld id="{DE3EECC3-BAC3-4A29-8636-7743FF9A3806}" type="datetime1">
               <a:rPr lang="fr-CH" smtClean="0"/>
               <a:pPr/>
-              <a:t>10.06.2010</a:t>
+              <a:t>11.06.2010</a:t>
             </a:fld>
             <a:endParaRPr lang="fr-FR" dirty="0"/>
           </a:p>
@@ -2080,7 +2080,7 @@
             <a:fld id="{F154968F-2762-4F3B-BC70-F7C39B89A9B8}" type="datetime1">
               <a:rPr lang="fr-CH" smtClean="0"/>
               <a:pPr/>
-              <a:t>10.06.2010</a:t>
+              <a:t>11.06.2010</a:t>
             </a:fld>
             <a:endParaRPr lang="fr-FR" dirty="0"/>
           </a:p>
@@ -2384,7 +2384,7 @@
             <a:fld id="{05BFEB41-E5CB-4CD1-9B55-92701C8EBC84}" type="datetime1">
               <a:rPr lang="fr-CH" smtClean="0"/>
               <a:pPr/>
-              <a:t>10.06.2010</a:t>
+              <a:t>11.06.2010</a:t>
             </a:fld>
             <a:endParaRPr lang="fr-FR" dirty="0"/>
           </a:p>
@@ -2822,7 +2822,7 @@
             <a:fld id="{2F6C9831-039A-4F5C-8AD2-A3AB876185B4}" type="datetime1">
               <a:rPr lang="fr-CH" smtClean="0"/>
               <a:pPr/>
-              <a:t>10.06.2010</a:t>
+              <a:t>11.06.2010</a:t>
             </a:fld>
             <a:endParaRPr lang="fr-FR" dirty="0"/>
           </a:p>
@@ -2956,7 +2956,7 @@
             <a:fld id="{DFFDC1B0-BD04-46D2-99EE-B853352D89B2}" type="datetime1">
               <a:rPr lang="fr-CH" smtClean="0"/>
               <a:pPr/>
-              <a:t>10.06.2010</a:t>
+              <a:t>11.06.2010</a:t>
             </a:fld>
             <a:endParaRPr lang="fr-FR" dirty="0"/>
           </a:p>
@@ -3067,7 +3067,7 @@
             <a:fld id="{0EE68050-7145-4A91-894E-A242682B636F}" type="datetime1">
               <a:rPr lang="fr-CH" smtClean="0"/>
               <a:pPr/>
-              <a:t>10.06.2010</a:t>
+              <a:t>11.06.2010</a:t>
             </a:fld>
             <a:endParaRPr lang="fr-FR" dirty="0"/>
           </a:p>
@@ -3360,7 +3360,7 @@
             <a:fld id="{3A01947D-F275-402E-B528-25DF2F067B3A}" type="datetime1">
               <a:rPr lang="fr-CH" smtClean="0"/>
               <a:pPr/>
-              <a:t>10.06.2010</a:t>
+              <a:t>11.06.2010</a:t>
             </a:fld>
             <a:endParaRPr lang="fr-FR" dirty="0"/>
           </a:p>
@@ -3629,7 +3629,7 @@
             <a:fld id="{99628070-4574-4C78-8FCC-ABF8CA883542}" type="datetime1">
               <a:rPr lang="fr-CH" smtClean="0"/>
               <a:pPr/>
-              <a:t>10.06.2010</a:t>
+              <a:t>11.06.2010</a:t>
             </a:fld>
             <a:endParaRPr lang="fr-FR" dirty="0"/>
           </a:p>
@@ -3882,7 +3882,7 @@
             <a:fld id="{0EBF62BA-94E3-4FC8-A8F1-27E713C8C858}" type="datetime1">
               <a:rPr lang="fr-CH" smtClean="0"/>
               <a:pPr/>
-              <a:t>10.06.2010</a:t>
+              <a:t>11.06.2010</a:t>
             </a:fld>
             <a:endParaRPr lang="fr-FR" dirty="0"/>
           </a:p>
@@ -5082,7 +5082,7 @@
                 </a:solidFill>
               </a:rPr>
               <a:pPr/>
-              <a:t>10.06.2010</a:t>
+              <a:t>11.06.2010</a:t>
             </a:fld>
             <a:endParaRPr lang="fr-FR">
               <a:solidFill>
@@ -6040,7 +6040,7 @@
                 </a:solidFill>
               </a:rPr>
               <a:pPr/>
-              <a:t>10.06.2010</a:t>
+              <a:t>11.06.2010</a:t>
             </a:fld>
             <a:endParaRPr lang="fr-FR" dirty="0">
               <a:solidFill>
@@ -7629,7 +7629,7 @@
                 </a:solidFill>
               </a:rPr>
               <a:pPr/>
-              <a:t>10.06.2010</a:t>
+              <a:t>11.06.2010</a:t>
             </a:fld>
             <a:endParaRPr lang="fr-FR" dirty="0">
               <a:solidFill>
@@ -8075,7 +8075,7 @@
                 </a:solidFill>
               </a:rPr>
               <a:pPr/>
-              <a:t>10.06.2010</a:t>
+              <a:t>11.06.2010</a:t>
             </a:fld>
             <a:endParaRPr lang="fr-FR" dirty="0">
               <a:solidFill>
@@ -8702,7 +8702,7 @@
                 </a:solidFill>
               </a:rPr>
               <a:pPr/>
-              <a:t>10.06.2010</a:t>
+              <a:t>11.06.2010</a:t>
             </a:fld>
             <a:endParaRPr lang="fr-FR" dirty="0">
               <a:solidFill>
@@ -9396,7 +9396,7 @@
                 </a:solidFill>
               </a:rPr>
               <a:pPr/>
-              <a:t>10.06.2010</a:t>
+              <a:t>11.06.2010</a:t>
             </a:fld>
             <a:endParaRPr lang="fr-FR" dirty="0">
               <a:solidFill>
@@ -12198,7 +12198,7 @@
                 </a:solidFill>
               </a:rPr>
               <a:pPr/>
-              <a:t>10.06.2010</a:t>
+              <a:t>11.06.2010</a:t>
             </a:fld>
             <a:endParaRPr lang="fr-FR">
               <a:solidFill>
@@ -12599,7 +12599,7 @@
                 </a:solidFill>
               </a:rPr>
               <a:pPr/>
-              <a:t>10.06.2010</a:t>
+              <a:t>11.06.2010</a:t>
             </a:fld>
             <a:endParaRPr lang="fr-FR" dirty="0">
               <a:solidFill>
@@ -12898,7 +12898,7 @@
                 </a:solidFill>
               </a:rPr>
               <a:pPr/>
-              <a:t>10.06.2010</a:t>
+              <a:t>11.06.2010</a:t>
             </a:fld>
             <a:endParaRPr lang="fr-FR">
               <a:solidFill>
@@ -13287,7 +13287,7 @@
                 </a:solidFill>
               </a:rPr>
               <a:pPr/>
-              <a:t>10.06.2010</a:t>
+              <a:t>11.06.2010</a:t>
             </a:fld>
             <a:endParaRPr lang="fr-FR" dirty="0">
               <a:solidFill>
@@ -14383,7 +14383,7 @@
                 </a:solidFill>
               </a:rPr>
               <a:pPr/>
-              <a:t>10.06.2010</a:t>
+              <a:t>11.06.2010</a:t>
             </a:fld>
             <a:endParaRPr lang="fr-FR" dirty="0">
               <a:solidFill>
